--- a/test/pptx/speaker-notes/templated.pptx
+++ b/test/pptx/speaker-notes/templated.pptx
@@ -5,7 +5,7 @@
     <p:sldMasterId id="2147483648" r:id="rId1"/>
   </p:sldMasterIdLst>
   <p:notesMasterIdLst>
-    <p:NotesMasterId r:id="rId6"/>
+    <p:notesMasterId r:id="rId6"/>
   </p:notesMasterIdLst>
   <p:sldIdLst>
     <p:sldId id="256" r:id="rId2"/>

--- a/test/pptx/speaker-notes/templated.pptx
+++ b/test/pptx/speaker-notes/templated.pptx
@@ -5767,7 +5767,7 @@
 </file>
 
 <file path=ppt/slideMasters/slideMaster1.xml><?xml version="1.0" encoding="utf-8"?>
-<p:sldMaster xmlns:a="http://schemas.openxmlformats.org/drawingml/2006/main" xmlns:r="http://schemas.openxmlformats.org/officeDocument/2006/relationships" xmlns:p="http://schemas.openxmlformats.org/presentationml/2006/main">
+<p:sldMaster xmlns:a="http://schemas.openxmlformats.org/drawingml/2006/main" xmlns:p="http://schemas.openxmlformats.org/presentationml/2006/main" xmlns:r="http://schemas.openxmlformats.org/officeDocument/2006/relationships">
   <p:cSld>
     <p:bg>
       <p:bgPr>
@@ -5817,7 +5817,7 @@
           </a:prstGeom>
         </p:spPr>
         <p:txBody>
-          <a:bodyPr vert="horz" lIns="91440" tIns="45720" rIns="91440" bIns="45720" rtlCol="0" anchor="ctr">
+          <a:bodyPr anchor="ctr" bIns="45720" lIns="91440" rIns="91440" rtlCol="0" tIns="45720" vert="horz">
             <a:normAutofit/>
           </a:bodyPr>
           <a:lstStyle/>
@@ -5826,7 +5826,7 @@
               <a:rPr lang="en-US" smtClean="0"/>
               <a:t>Click to edit Master title style</a:t>
             </a:r>
-            <a:endParaRPr lang="en-US" dirty="0"/>
+            <a:endParaRPr dirty="0" lang="en-US"/>
           </a:p>
         </p:txBody>
       </p:sp>
@@ -5837,7 +5837,7 @@
             <a:spLocks noGrp="1"/>
           </p:cNvSpPr>
           <p:nvPr>
-            <p:ph type="body" idx="1"/>
+            <p:ph idx="1" type="body"/>
           </p:nvPr>
         </p:nvSpPr>
         <p:spPr>
@@ -5850,7 +5850,7 @@
           </a:prstGeom>
         </p:spPr>
         <p:txBody>
-          <a:bodyPr vert="horz" lIns="91440" tIns="45720" rIns="91440" bIns="45720" rtlCol="0">
+          <a:bodyPr bIns="45720" lIns="91440" rIns="91440" rtlCol="0" tIns="45720" vert="horz">
             <a:normAutofit/>
           </a:bodyPr>
           <a:lstStyle/>
@@ -5888,7 +5888,7 @@
               <a:rPr lang="en-US" smtClean="0"/>
               <a:t>Fifth level</a:t>
             </a:r>
-            <a:endParaRPr lang="en-US" dirty="0"/>
+            <a:endParaRPr dirty="0" lang="en-US"/>
           </a:p>
         </p:txBody>
       </p:sp>
@@ -5899,7 +5899,7 @@
             <a:spLocks noGrp="1"/>
           </p:cNvSpPr>
           <p:nvPr>
-            <p:ph type="dt" sz="half" idx="2"/>
+            <p:ph idx="2" sz="half" type="dt"/>
           </p:nvPr>
         </p:nvSpPr>
         <p:spPr>
@@ -5912,7 +5912,7 @@
           </a:prstGeom>
         </p:spPr>
         <p:txBody>
-          <a:bodyPr vert="horz" lIns="91440" tIns="45720" rIns="91440" bIns="45720" rtlCol="0" anchor="ctr"/>
+          <a:bodyPr anchor="ctr" bIns="45720" lIns="91440" rIns="91440" rtlCol="0" tIns="45720" vert="horz"/>
           <a:lstStyle>
             <a:lvl1pPr algn="l">
               <a:defRPr sz="1200">
@@ -5944,10 +5944,10 @@
           </a:lstStyle>
           <a:p>
             <a:fld id="{51CF1133-3259-4C45-BABA-5B62D9C6F78D}" type="datetimeFigureOut">
-              <a:rPr lang="en-US" dirty="0"/>
+              <a:rPr dirty="0" lang="en-US"/>
               <a:t>2/19/2018</a:t>
             </a:fld>
-            <a:endParaRPr lang="en-US" dirty="0"/>
+            <a:endParaRPr dirty="0" lang="en-US"/>
           </a:p>
         </p:txBody>
       </p:sp>
@@ -5958,7 +5958,7 @@
             <a:spLocks noGrp="1"/>
           </p:cNvSpPr>
           <p:nvPr>
-            <p:ph type="ftr" sz="quarter" idx="3"/>
+            <p:ph idx="3" sz="quarter" type="ftr"/>
           </p:nvPr>
         </p:nvSpPr>
         <p:spPr>
@@ -5971,7 +5971,7 @@
           </a:prstGeom>
         </p:spPr>
         <p:txBody>
-          <a:bodyPr vert="horz" lIns="91440" tIns="45720" rIns="91440" bIns="45720" rtlCol="0" anchor="ctr"/>
+          <a:bodyPr anchor="ctr" bIns="45720" lIns="91440" rIns="91440" rtlCol="0" tIns="45720" vert="horz"/>
           <a:lstStyle>
             <a:lvl1pPr algn="ctr">
               <a:defRPr sz="1200">
@@ -6002,7 +6002,7 @@
             </a:lvl1pPr>
           </a:lstStyle>
           <a:p>
-            <a:endParaRPr lang="en-US" dirty="0"/>
+            <a:endParaRPr dirty="0" lang="en-US"/>
           </a:p>
         </p:txBody>
       </p:sp>
@@ -6013,7 +6013,7 @@
             <a:spLocks noGrp="1"/>
           </p:cNvSpPr>
           <p:nvPr>
-            <p:ph type="sldNum" sz="quarter" idx="4"/>
+            <p:ph idx="4" sz="quarter" type="sldNum"/>
           </p:nvPr>
         </p:nvSpPr>
         <p:spPr>
@@ -6026,7 +6026,7 @@
           </a:prstGeom>
         </p:spPr>
         <p:txBody>
-          <a:bodyPr vert="horz" lIns="91440" tIns="45720" rIns="91440" bIns="45720" rtlCol="0" anchor="ctr"/>
+          <a:bodyPr anchor="ctr" bIns="45720" lIns="91440" rIns="91440" rtlCol="0" tIns="45720" vert="horz"/>
           <a:lstStyle>
             <a:lvl1pPr algn="r">
               <a:defRPr sz="1200">
@@ -6058,17 +6058,17 @@
           </a:lstStyle>
           <a:p>
             <a:fld id="{6D22F896-40B5-4ADD-8801-0D06FADFA095}" type="slidenum">
-              <a:rPr lang="en-US" dirty="0"/>
+              <a:rPr dirty="0" lang="en-US"/>
               <a:pPr/>
               <a:t>‹#›</a:t>
             </a:fld>
-            <a:endParaRPr lang="en-US" dirty="0"/>
+            <a:endParaRPr dirty="0" lang="en-US"/>
           </a:p>
         </p:txBody>
       </p:sp>
     </p:spTree>
   </p:cSld>
-  <p:clrMap bg1="dk1" tx1="lt1" bg2="dk2" tx2="lt2" accent1="accent1" accent2="accent2" accent3="accent3" accent4="accent4" accent5="accent5" accent6="accent6" hlink="hlink" folHlink="folHlink"/>
+  <p:clrMap accent1="accent1" accent2="accent2" accent3="accent3" accent4="accent4" accent5="accent5" accent6="accent6" bg1="dk1" bg2="dk2" folHlink="folHlink" hlink="hlink" tx1="lt1" tx2="lt2"/>
   <p:sldLayoutIdLst>
     <p:sldLayoutId id="2147483649" r:id="rId1"/>
     <p:sldLayoutId id="2147483650" r:id="rId2"/>
@@ -6088,10 +6088,10 @@
     <p:sldLayoutId id="2147483658" r:id="rId16"/>
     <p:sldLayoutId id="2147483659" r:id="rId17"/>
   </p:sldLayoutIdLst>
-  <p:hf sldNum="0" hdr="0" ftr="0" dt="0"/>
+  <p:hf dt="0" ftr="0" hdr="0" sldNum="0"/>
   <p:txStyles>
     <p:titleStyle>
-      <a:lvl1pPr algn="l" defTabSz="914400" rtl="0" eaLnBrk="1" latinLnBrk="0" hangingPunct="1">
+      <a:lvl1pPr algn="l" defTabSz="914400" eaLnBrk="1" hangingPunct="1" latinLnBrk="0" rtl="0">
         <a:lnSpc>
           <a:spcPct val="90000"/>
         </a:lnSpc>
@@ -6099,7 +6099,7 @@
           <a:spcPct val="0"/>
         </a:spcBef>
         <a:buNone/>
-        <a:defRPr sz="5400" b="0" kern="1200">
+        <a:defRPr b="0" kern="1200" sz="5400">
           <a:gradFill flip="none" rotWithShape="1">
             <a:gsLst>
               <a:gs pos="28000">
@@ -6130,16 +6130,16 @@
       </a:lvl1pPr>
     </p:titleStyle>
     <p:bodyStyle>
-      <a:lvl1pPr marL="228600" indent="-228600" algn="l" defTabSz="914400" rtl="0" eaLnBrk="1" latinLnBrk="0" hangingPunct="1">
+      <a:lvl1pPr algn="l" defTabSz="914400" eaLnBrk="1" hangingPunct="1" indent="-228600" latinLnBrk="0" marL="228600" rtl="0">
         <a:lnSpc>
           <a:spcPct val="90000"/>
         </a:lnSpc>
         <a:spcBef>
           <a:spcPts val="1000"/>
         </a:spcBef>
-        <a:buFont typeface="Arial" panose="020B0604020202020204" pitchFamily="34" charset="0"/>
+        <a:buFont charset="0" panose="020B0604020202020204" pitchFamily="34" typeface="Arial"/>
         <a:buChar char="•"/>
-        <a:defRPr sz="2800" kern="1200">
+        <a:defRPr kern="1200" sz="2800">
           <a:gradFill>
             <a:gsLst>
               <a:gs pos="34000">
@@ -6167,16 +6167,16 @@
           <a:cs typeface="+mn-cs"/>
         </a:defRPr>
       </a:lvl1pPr>
-      <a:lvl2pPr marL="685800" indent="-228600" algn="l" defTabSz="914400" rtl="0" eaLnBrk="1" latinLnBrk="0" hangingPunct="1">
+      <a:lvl2pPr algn="l" defTabSz="914400" eaLnBrk="1" hangingPunct="1" indent="-228600" latinLnBrk="0" marL="685800" rtl="0">
         <a:lnSpc>
           <a:spcPct val="90000"/>
         </a:lnSpc>
         <a:spcBef>
           <a:spcPts val="500"/>
         </a:spcBef>
-        <a:buFont typeface="Arial" panose="020B0604020202020204" pitchFamily="34" charset="0"/>
+        <a:buFont charset="0" panose="020B0604020202020204" pitchFamily="34" typeface="Arial"/>
         <a:buChar char="•"/>
-        <a:defRPr sz="2400" kern="1200">
+        <a:defRPr kern="1200" sz="2400">
           <a:gradFill>
             <a:gsLst>
               <a:gs pos="34000">
@@ -6204,16 +6204,16 @@
           <a:cs typeface="+mn-cs"/>
         </a:defRPr>
       </a:lvl2pPr>
-      <a:lvl3pPr marL="1143000" indent="-228600" algn="l" defTabSz="914400" rtl="0" eaLnBrk="1" latinLnBrk="0" hangingPunct="1">
+      <a:lvl3pPr algn="l" defTabSz="914400" eaLnBrk="1" hangingPunct="1" indent="-228600" latinLnBrk="0" marL="1143000" rtl="0">
         <a:lnSpc>
           <a:spcPct val="90000"/>
         </a:lnSpc>
         <a:spcBef>
           <a:spcPts val="500"/>
         </a:spcBef>
-        <a:buFont typeface="Arial" panose="020B0604020202020204" pitchFamily="34" charset="0"/>
+        <a:buFont charset="0" panose="020B0604020202020204" pitchFamily="34" typeface="Arial"/>
         <a:buChar char="•"/>
-        <a:defRPr sz="2000" kern="1200">
+        <a:defRPr kern="1200" sz="2000">
           <a:gradFill>
             <a:gsLst>
               <a:gs pos="34000">
@@ -6241,16 +6241,16 @@
           <a:cs typeface="+mn-cs"/>
         </a:defRPr>
       </a:lvl3pPr>
-      <a:lvl4pPr marL="1600200" indent="-228600" algn="l" defTabSz="914400" rtl="0" eaLnBrk="1" latinLnBrk="0" hangingPunct="1">
+      <a:lvl4pPr algn="l" defTabSz="914400" eaLnBrk="1" hangingPunct="1" indent="-228600" latinLnBrk="0" marL="1600200" rtl="0">
         <a:lnSpc>
           <a:spcPct val="90000"/>
         </a:lnSpc>
         <a:spcBef>
           <a:spcPts val="500"/>
         </a:spcBef>
-        <a:buFont typeface="Arial" panose="020B0604020202020204" pitchFamily="34" charset="0"/>
+        <a:buFont charset="0" panose="020B0604020202020204" pitchFamily="34" typeface="Arial"/>
         <a:buChar char="•"/>
-        <a:defRPr sz="1800" kern="1200">
+        <a:defRPr kern="1200" sz="1800">
           <a:gradFill>
             <a:gsLst>
               <a:gs pos="34000">
@@ -6278,16 +6278,16 @@
           <a:cs typeface="+mn-cs"/>
         </a:defRPr>
       </a:lvl4pPr>
-      <a:lvl5pPr marL="2057400" indent="-228600" algn="l" defTabSz="914400" rtl="0" eaLnBrk="1" latinLnBrk="0" hangingPunct="1">
+      <a:lvl5pPr algn="l" defTabSz="914400" eaLnBrk="1" hangingPunct="1" indent="-228600" latinLnBrk="0" marL="2057400" rtl="0">
         <a:lnSpc>
           <a:spcPct val="90000"/>
         </a:lnSpc>
         <a:spcBef>
           <a:spcPts val="500"/>
         </a:spcBef>
-        <a:buFont typeface="Arial" panose="020B0604020202020204" pitchFamily="34" charset="0"/>
+        <a:buFont charset="0" panose="020B0604020202020204" pitchFamily="34" typeface="Arial"/>
         <a:buChar char="•"/>
-        <a:defRPr sz="1800" kern="1200">
+        <a:defRPr kern="1200" sz="1800">
           <a:gradFill>
             <a:gsLst>
               <a:gs pos="34000">
@@ -6315,16 +6315,16 @@
           <a:cs typeface="+mn-cs"/>
         </a:defRPr>
       </a:lvl5pPr>
-      <a:lvl6pPr marL="2514600" indent="-228600" algn="l" defTabSz="914400" rtl="0" eaLnBrk="1" latinLnBrk="0" hangingPunct="1">
+      <a:lvl6pPr algn="l" defTabSz="914400" eaLnBrk="1" hangingPunct="1" indent="-228600" latinLnBrk="0" marL="2514600" rtl="0">
         <a:lnSpc>
           <a:spcPct val="90000"/>
         </a:lnSpc>
         <a:spcBef>
           <a:spcPts val="500"/>
         </a:spcBef>
-        <a:buFont typeface="Arial" panose="020B0604020202020204" pitchFamily="34" charset="0"/>
+        <a:buFont charset="0" panose="020B0604020202020204" pitchFamily="34" typeface="Arial"/>
         <a:buChar char="•"/>
-        <a:defRPr sz="1800" kern="1200">
+        <a:defRPr kern="1200" sz="1800">
           <a:solidFill>
             <a:schemeClr val="tx1"/>
           </a:solidFill>
@@ -6333,16 +6333,16 @@
           <a:cs typeface="+mn-cs"/>
         </a:defRPr>
       </a:lvl6pPr>
-      <a:lvl7pPr marL="2971800" indent="-228600" algn="l" defTabSz="914400" rtl="0" eaLnBrk="1" latinLnBrk="0" hangingPunct="1">
+      <a:lvl7pPr algn="l" defTabSz="914400" eaLnBrk="1" hangingPunct="1" indent="-228600" latinLnBrk="0" marL="2971800" rtl="0">
         <a:lnSpc>
           <a:spcPct val="90000"/>
         </a:lnSpc>
         <a:spcBef>
           <a:spcPts val="500"/>
         </a:spcBef>
-        <a:buFont typeface="Arial" panose="020B0604020202020204" pitchFamily="34" charset="0"/>
+        <a:buFont charset="0" panose="020B0604020202020204" pitchFamily="34" typeface="Arial"/>
         <a:buChar char="•"/>
-        <a:defRPr sz="1800" kern="1200">
+        <a:defRPr kern="1200" sz="1800">
           <a:solidFill>
             <a:schemeClr val="tx1"/>
           </a:solidFill>
@@ -6351,16 +6351,16 @@
           <a:cs typeface="+mn-cs"/>
         </a:defRPr>
       </a:lvl7pPr>
-      <a:lvl8pPr marL="3429000" indent="-228600" algn="l" defTabSz="914400" rtl="0" eaLnBrk="1" latinLnBrk="0" hangingPunct="1">
+      <a:lvl8pPr algn="l" defTabSz="914400" eaLnBrk="1" hangingPunct="1" indent="-228600" latinLnBrk="0" marL="3429000" rtl="0">
         <a:lnSpc>
           <a:spcPct val="90000"/>
         </a:lnSpc>
         <a:spcBef>
           <a:spcPts val="500"/>
         </a:spcBef>
-        <a:buFont typeface="Arial" panose="020B0604020202020204" pitchFamily="34" charset="0"/>
+        <a:buFont charset="0" panose="020B0604020202020204" pitchFamily="34" typeface="Arial"/>
         <a:buChar char="•"/>
-        <a:defRPr sz="1800" kern="1200">
+        <a:defRPr kern="1200" sz="1800">
           <a:solidFill>
             <a:schemeClr val="tx1"/>
           </a:solidFill>
@@ -6369,16 +6369,16 @@
           <a:cs typeface="+mn-cs"/>
         </a:defRPr>
       </a:lvl8pPr>
-      <a:lvl9pPr marL="3886200" indent="-228600" algn="l" defTabSz="914400" rtl="0" eaLnBrk="1" latinLnBrk="0" hangingPunct="1">
+      <a:lvl9pPr algn="l" defTabSz="914400" eaLnBrk="1" hangingPunct="1" indent="-228600" latinLnBrk="0" marL="3886200" rtl="0">
         <a:lnSpc>
           <a:spcPct val="90000"/>
         </a:lnSpc>
         <a:spcBef>
           <a:spcPts val="500"/>
         </a:spcBef>
-        <a:buFont typeface="Arial" panose="020B0604020202020204" pitchFamily="34" charset="0"/>
+        <a:buFont charset="0" panose="020B0604020202020204" pitchFamily="34" typeface="Arial"/>
         <a:buChar char="•"/>
-        <a:defRPr sz="1800" kern="1200">
+        <a:defRPr kern="1200" sz="1800">
           <a:solidFill>
             <a:schemeClr val="tx1"/>
           </a:solidFill>
@@ -6392,8 +6392,8 @@
       <a:defPPr>
         <a:defRPr lang="en-US"/>
       </a:defPPr>
-      <a:lvl1pPr marL="0" algn="l" defTabSz="914400" rtl="0" eaLnBrk="1" latinLnBrk="0" hangingPunct="1">
-        <a:defRPr sz="1800" kern="1200">
+      <a:lvl1pPr algn="l" defTabSz="914400" eaLnBrk="1" hangingPunct="1" latinLnBrk="0" marL="0" rtl="0">
+        <a:defRPr kern="1200" sz="1800">
           <a:solidFill>
             <a:schemeClr val="tx1"/>
           </a:solidFill>
@@ -6402,8 +6402,8 @@
           <a:cs typeface="+mn-cs"/>
         </a:defRPr>
       </a:lvl1pPr>
-      <a:lvl2pPr marL="457200" algn="l" defTabSz="914400" rtl="0" eaLnBrk="1" latinLnBrk="0" hangingPunct="1">
-        <a:defRPr sz="1800" kern="1200">
+      <a:lvl2pPr algn="l" defTabSz="914400" eaLnBrk="1" hangingPunct="1" latinLnBrk="0" marL="457200" rtl="0">
+        <a:defRPr kern="1200" sz="1800">
           <a:solidFill>
             <a:schemeClr val="tx1"/>
           </a:solidFill>
@@ -6412,8 +6412,8 @@
           <a:cs typeface="+mn-cs"/>
         </a:defRPr>
       </a:lvl2pPr>
-      <a:lvl3pPr marL="914400" algn="l" defTabSz="914400" rtl="0" eaLnBrk="1" latinLnBrk="0" hangingPunct="1">
-        <a:defRPr sz="1800" kern="1200">
+      <a:lvl3pPr algn="l" defTabSz="914400" eaLnBrk="1" hangingPunct="1" latinLnBrk="0" marL="914400" rtl="0">
+        <a:defRPr kern="1200" sz="1800">
           <a:solidFill>
             <a:schemeClr val="tx1"/>
           </a:solidFill>
@@ -6422,8 +6422,8 @@
           <a:cs typeface="+mn-cs"/>
         </a:defRPr>
       </a:lvl3pPr>
-      <a:lvl4pPr marL="1371600" algn="l" defTabSz="914400" rtl="0" eaLnBrk="1" latinLnBrk="0" hangingPunct="1">
-        <a:defRPr sz="1800" kern="1200">
+      <a:lvl4pPr algn="l" defTabSz="914400" eaLnBrk="1" hangingPunct="1" latinLnBrk="0" marL="1371600" rtl="0">
+        <a:defRPr kern="1200" sz="1800">
           <a:solidFill>
             <a:schemeClr val="tx1"/>
           </a:solidFill>
@@ -6432,8 +6432,8 @@
           <a:cs typeface="+mn-cs"/>
         </a:defRPr>
       </a:lvl4pPr>
-      <a:lvl5pPr marL="1828800" algn="l" defTabSz="914400" rtl="0" eaLnBrk="1" latinLnBrk="0" hangingPunct="1">
-        <a:defRPr sz="1800" kern="1200">
+      <a:lvl5pPr algn="l" defTabSz="914400" eaLnBrk="1" hangingPunct="1" latinLnBrk="0" marL="1828800" rtl="0">
+        <a:defRPr kern="1200" sz="1800">
           <a:solidFill>
             <a:schemeClr val="tx1"/>
           </a:solidFill>
@@ -6442,8 +6442,8 @@
           <a:cs typeface="+mn-cs"/>
         </a:defRPr>
       </a:lvl5pPr>
-      <a:lvl6pPr marL="2286000" algn="l" defTabSz="914400" rtl="0" eaLnBrk="1" latinLnBrk="0" hangingPunct="1">
-        <a:defRPr sz="1800" kern="1200">
+      <a:lvl6pPr algn="l" defTabSz="914400" eaLnBrk="1" hangingPunct="1" latinLnBrk="0" marL="2286000" rtl="0">
+        <a:defRPr kern="1200" sz="1800">
           <a:solidFill>
             <a:schemeClr val="tx1"/>
           </a:solidFill>
@@ -6452,8 +6452,8 @@
           <a:cs typeface="+mn-cs"/>
         </a:defRPr>
       </a:lvl6pPr>
-      <a:lvl7pPr marL="2743200" algn="l" defTabSz="914400" rtl="0" eaLnBrk="1" latinLnBrk="0" hangingPunct="1">
-        <a:defRPr sz="1800" kern="1200">
+      <a:lvl7pPr algn="l" defTabSz="914400" eaLnBrk="1" hangingPunct="1" latinLnBrk="0" marL="2743200" rtl="0">
+        <a:defRPr kern="1200" sz="1800">
           <a:solidFill>
             <a:schemeClr val="tx1"/>
           </a:solidFill>
@@ -6462,8 +6462,8 @@
           <a:cs typeface="+mn-cs"/>
         </a:defRPr>
       </a:lvl7pPr>
-      <a:lvl8pPr marL="3200400" algn="l" defTabSz="914400" rtl="0" eaLnBrk="1" latinLnBrk="0" hangingPunct="1">
-        <a:defRPr sz="1800" kern="1200">
+      <a:lvl8pPr algn="l" defTabSz="914400" eaLnBrk="1" hangingPunct="1" latinLnBrk="0" marL="3200400" rtl="0">
+        <a:defRPr kern="1200" sz="1800">
           <a:solidFill>
             <a:schemeClr val="tx1"/>
           </a:solidFill>
@@ -6472,8 +6472,8 @@
           <a:cs typeface="+mn-cs"/>
         </a:defRPr>
       </a:lvl8pPr>
-      <a:lvl9pPr marL="3657600" algn="l" defTabSz="914400" rtl="0" eaLnBrk="1" latinLnBrk="0" hangingPunct="1">
-        <a:defRPr sz="1800" kern="1200">
+      <a:lvl9pPr algn="l" defTabSz="914400" eaLnBrk="1" hangingPunct="1" latinLnBrk="0" marL="3657600" rtl="0">
+        <a:defRPr kern="1200" sz="1800">
           <a:solidFill>
             <a:schemeClr val="tx1"/>
           </a:solidFill>

--- a/test/pptx/speaker-notes/templated.pptx
+++ b/test/pptx/speaker-notes/templated.pptx
@@ -512,77 +512,37 @@
             </a:pPr>
             <a:r>
               <a:rPr/>
-              <a:t>Here</a:t>
+              <a:t>Here is a note.</a:t>
+            </a:r>
+          </a:p>
+          <a:p>
+            <a:pPr lvl="0" marL="0" indent="0">
+              <a:buNone/>
+            </a:pPr>
+          </a:p>
+          <a:p>
+            <a:pPr lvl="0" marL="0" indent="0">
+              <a:buNone/>
+            </a:pPr>
+            <a:r>
+              <a:rPr/>
+              <a:t>Here is </a:t>
+            </a:r>
+            <a:r>
+              <a:rPr i="1"/>
+              <a:t>some</a:t>
             </a:r>
             <a:r>
               <a:rPr/>
               <a:t> </a:t>
             </a:r>
             <a:r>
-              <a:rPr/>
-              <a:t>is</a:t>
-            </a:r>
-            <a:r>
-              <a:rPr/>
-              <a:t> </a:t>
-            </a:r>
-            <a:r>
-              <a:rPr/>
-              <a:t>a</a:t>
-            </a:r>
-            <a:r>
-              <a:rPr/>
-              <a:t> </a:t>
-            </a:r>
-            <a:r>
-              <a:rPr/>
-              <a:t>note.</a:t>
-            </a:r>
-          </a:p>
-          <a:p>
-            <a:pPr lvl="0" marL="0" indent="0">
-              <a:buNone/>
-            </a:pPr>
-          </a:p>
-          <a:p>
-            <a:pPr lvl="0" marL="0" indent="0">
-              <a:buNone/>
-            </a:pPr>
-            <a:r>
-              <a:rPr/>
-              <a:t>Here</a:t>
-            </a:r>
-            <a:r>
-              <a:rPr/>
-              <a:t> </a:t>
-            </a:r>
-            <a:r>
-              <a:rPr/>
-              <a:t>is</a:t>
-            </a:r>
-            <a:r>
-              <a:rPr/>
-              <a:t> </a:t>
-            </a:r>
-            <a:r>
-              <a:rPr i="1"/>
-              <a:t>some</a:t>
-            </a:r>
-            <a:r>
-              <a:rPr/>
-              <a:t> </a:t>
-            </a:r>
-            <a:r>
               <a:rPr b="1"/>
               <a:t>other</a:t>
             </a:r>
             <a:r>
               <a:rPr/>
-              <a:t> </a:t>
-            </a:r>
-            <a:r>
-              <a:rPr/>
-              <a:t>formatting.</a:t>
+              <a:t> formatting.</a:t>
             </a:r>
           </a:p>
         </p:txBody>
@@ -664,69 +624,21 @@
             </a:pPr>
             <a:r>
               <a:rPr/>
-              <a:t>The</a:t>
-            </a:r>
+              <a:t>The first note div</a:t>
+            </a:r>
+          </a:p>
+          <a:p>
+            <a:pPr lvl="0" marL="0" indent="0">
+              <a:buNone/>
+            </a:pPr>
+          </a:p>
+          <a:p>
+            <a:pPr lvl="0" marL="0" indent="0">
+              <a:buNone/>
+            </a:pPr>
             <a:r>
               <a:rPr/>
-              <a:t> </a:t>
-            </a:r>
-            <a:r>
-              <a:rPr/>
-              <a:t>first</a:t>
-            </a:r>
-            <a:r>
-              <a:rPr/>
-              <a:t> </a:t>
-            </a:r>
-            <a:r>
-              <a:rPr/>
-              <a:t>note</a:t>
-            </a:r>
-            <a:r>
-              <a:rPr/>
-              <a:t> </a:t>
-            </a:r>
-            <a:r>
-              <a:rPr/>
-              <a:t>div</a:t>
-            </a:r>
-          </a:p>
-          <a:p>
-            <a:pPr lvl="0" marL="0" indent="0">
-              <a:buNone/>
-            </a:pPr>
-          </a:p>
-          <a:p>
-            <a:pPr lvl="0" marL="0" indent="0">
-              <a:buNone/>
-            </a:pPr>
-            <a:r>
-              <a:rPr/>
-              <a:t>The</a:t>
-            </a:r>
-            <a:r>
-              <a:rPr/>
-              <a:t> </a:t>
-            </a:r>
-            <a:r>
-              <a:rPr/>
-              <a:t>second</a:t>
-            </a:r>
-            <a:r>
-              <a:rPr/>
-              <a:t> </a:t>
-            </a:r>
-            <a:r>
-              <a:rPr/>
-              <a:t>note</a:t>
-            </a:r>
-            <a:r>
-              <a:rPr/>
-              <a:t> </a:t>
-            </a:r>
-            <a:r>
-              <a:rPr/>
-              <a:t>div</a:t>
+              <a:t>The second note div</a:t>
             </a:r>
           </a:p>
         </p:txBody>
@@ -808,11 +720,7 @@
             </a:pPr>
             <a:r>
               <a:rPr/>
-              <a:t>No</a:t>
-            </a:r>
-            <a:r>
-              <a:rPr/>
-              <a:t> </a:t>
+              <a:t>No </a:t>
             </a:r>
             <a:r>
               <a:rPr/>
@@ -820,41 +728,21 @@
             </a:r>
             <a:r>
               <a:rPr/>
-              <a:t> </a:t>
-            </a:r>
+              <a:t> here.</a:t>
+            </a:r>
+          </a:p>
+          <a:p>
+            <a:pPr lvl="0" marL="0" indent="0">
+              <a:buNone/>
+            </a:pPr>
+          </a:p>
+          <a:p>
+            <a:pPr lvl="0" marL="0" indent="0">
+              <a:buNone/>
+            </a:pPr>
             <a:r>
               <a:rPr/>
-              <a:t>here.</a:t>
-            </a:r>
-          </a:p>
-          <a:p>
-            <a:pPr lvl="0" marL="0" indent="0">
-              <a:buNone/>
-            </a:pPr>
-          </a:p>
-          <a:p>
-            <a:pPr lvl="0" marL="0" indent="0">
-              <a:buNone/>
-            </a:pPr>
-            <a:r>
-              <a:rPr/>
-              <a:t>No</a:t>
-            </a:r>
-            <a:r>
-              <a:rPr/>
-              <a:t> </a:t>
-            </a:r>
-            <a:r>
-              <a:rPr/>
-              <a:t>note</a:t>
-            </a:r>
-            <a:r>
-              <a:rPr/>
-              <a:t> </a:t>
-            </a:r>
-            <a:r>
-              <a:rPr/>
-              <a:t>here.</a:t>
+              <a:t>No note here.</a:t>
             </a:r>
           </a:p>
         </p:txBody>

--- a/test/pptx/speaker-notes/templated.pptx
+++ b/test/pptx/speaker-notes/templated.pptx
@@ -512,77 +512,53 @@
             </a:pPr>
             <a:r>
               <a:rPr/>
-              <a:t>Here</a:t>
+              <a:t>Here </a:t>
+            </a:r>
+            <a:r>
+              <a:rPr/>
+              <a:t>is </a:t>
+            </a:r>
+            <a:r>
+              <a:rPr/>
+              <a:t>a </a:t>
+            </a:r>
+            <a:r>
+              <a:rPr/>
+              <a:t>note.</a:t>
+            </a:r>
+          </a:p>
+          <a:p>
+            <a:pPr lvl="0" marL="0" indent="0">
+              <a:buNone/>
+            </a:pPr>
+          </a:p>
+          <a:p>
+            <a:pPr lvl="0" marL="0" indent="0">
+              <a:buNone/>
+            </a:pPr>
+            <a:r>
+              <a:rPr/>
+              <a:t>Here </a:t>
+            </a:r>
+            <a:r>
+              <a:rPr/>
+              <a:t>is </a:t>
+            </a:r>
+            <a:r>
+              <a:rPr i="1"/>
+              <a:t>some</a:t>
             </a:r>
             <a:r>
               <a:rPr/>
               <a:t> </a:t>
             </a:r>
             <a:r>
-              <a:rPr/>
-              <a:t>is</a:t>
-            </a:r>
-            <a:r>
-              <a:rPr/>
-              <a:t> </a:t>
-            </a:r>
-            <a:r>
-              <a:rPr/>
-              <a:t>a</a:t>
-            </a:r>
-            <a:r>
-              <a:rPr/>
-              <a:t> </a:t>
-            </a:r>
-            <a:r>
-              <a:rPr/>
-              <a:t>note.</a:t>
-            </a:r>
-          </a:p>
-          <a:p>
-            <a:pPr lvl="0" marL="0" indent="0">
-              <a:buNone/>
-            </a:pPr>
-          </a:p>
-          <a:p>
-            <a:pPr lvl="0" marL="0" indent="0">
-              <a:buNone/>
-            </a:pPr>
-            <a:r>
-              <a:rPr/>
-              <a:t>Here</a:t>
-            </a:r>
-            <a:r>
-              <a:rPr/>
-              <a:t> </a:t>
-            </a:r>
-            <a:r>
-              <a:rPr/>
-              <a:t>is</a:t>
-            </a:r>
-            <a:r>
-              <a:rPr/>
-              <a:t> </a:t>
-            </a:r>
-            <a:r>
-              <a:rPr i="1"/>
-              <a:t>some</a:t>
-            </a:r>
-            <a:r>
-              <a:rPr/>
-              <a:t> </a:t>
-            </a:r>
-            <a:r>
               <a:rPr b="1"/>
               <a:t>other</a:t>
             </a:r>
             <a:r>
               <a:rPr/>
-              <a:t> </a:t>
-            </a:r>
-            <a:r>
-              <a:rPr/>
-              <a:t>formatting.</a:t>
+              <a:t> formatting.</a:t>
             </a:r>
           </a:p>
         </p:txBody>
@@ -664,27 +640,15 @@
             </a:pPr>
             <a:r>
               <a:rPr/>
-              <a:t>The</a:t>
+              <a:t>The </a:t>
             </a:r>
             <a:r>
               <a:rPr/>
-              <a:t> </a:t>
+              <a:t>first </a:t>
             </a:r>
             <a:r>
               <a:rPr/>
-              <a:t>first</a:t>
-            </a:r>
-            <a:r>
-              <a:rPr/>
-              <a:t> </a:t>
-            </a:r>
-            <a:r>
-              <a:rPr/>
-              <a:t>note</a:t>
-            </a:r>
-            <a:r>
-              <a:rPr/>
-              <a:t> </a:t>
+              <a:t>note </a:t>
             </a:r>
             <a:r>
               <a:rPr/>
@@ -702,27 +666,15 @@
             </a:pPr>
             <a:r>
               <a:rPr/>
-              <a:t>The</a:t>
+              <a:t>The </a:t>
             </a:r>
             <a:r>
               <a:rPr/>
-              <a:t> </a:t>
+              <a:t>second </a:t>
             </a:r>
             <a:r>
               <a:rPr/>
-              <a:t>second</a:t>
-            </a:r>
-            <a:r>
-              <a:rPr/>
-              <a:t> </a:t>
-            </a:r>
-            <a:r>
-              <a:rPr/>
-              <a:t>note</a:t>
-            </a:r>
-            <a:r>
-              <a:rPr/>
-              <a:t> </a:t>
+              <a:t>note </a:t>
             </a:r>
             <a:r>
               <a:rPr/>
@@ -808,11 +760,7 @@
             </a:pPr>
             <a:r>
               <a:rPr/>
-              <a:t>No</a:t>
-            </a:r>
-            <a:r>
-              <a:rPr/>
-              <a:t> </a:t>
+              <a:t>No </a:t>
             </a:r>
             <a:r>
               <a:rPr/>
@@ -820,37 +768,25 @@
             </a:r>
             <a:r>
               <a:rPr/>
-              <a:t> </a:t>
-            </a:r>
+              <a:t> here.</a:t>
+            </a:r>
+          </a:p>
+          <a:p>
+            <a:pPr lvl="0" marL="0" indent="0">
+              <a:buNone/>
+            </a:pPr>
+          </a:p>
+          <a:p>
+            <a:pPr lvl="0" marL="0" indent="0">
+              <a:buNone/>
+            </a:pPr>
             <a:r>
               <a:rPr/>
-              <a:t>here.</a:t>
-            </a:r>
-          </a:p>
-          <a:p>
-            <a:pPr lvl="0" marL="0" indent="0">
-              <a:buNone/>
-            </a:pPr>
-          </a:p>
-          <a:p>
-            <a:pPr lvl="0" marL="0" indent="0">
-              <a:buNone/>
-            </a:pPr>
+              <a:t>No </a:t>
+            </a:r>
             <a:r>
               <a:rPr/>
-              <a:t>No</a:t>
-            </a:r>
-            <a:r>
-              <a:rPr/>
-              <a:t> </a:t>
-            </a:r>
-            <a:r>
-              <a:rPr/>
-              <a:t>note</a:t>
-            </a:r>
-            <a:r>
-              <a:rPr/>
-              <a:t> </a:t>
+              <a:t>note </a:t>
             </a:r>
             <a:r>
               <a:rPr/>

--- a/test/pptx/speaker-notes/templated.pptx
+++ b/test/pptx/speaker-notes/templated.pptx
@@ -512,15 +512,27 @@
             </a:pPr>
             <a:r>
               <a:rPr/>
-              <a:t>Here </a:t>
+              <a:t>Here</a:t>
             </a:r>
             <a:r>
               <a:rPr/>
-              <a:t>is </a:t>
+              <a:t> </a:t>
             </a:r>
             <a:r>
               <a:rPr/>
-              <a:t>a </a:t>
+              <a:t>is</a:t>
+            </a:r>
+            <a:r>
+              <a:rPr/>
+              <a:t> </a:t>
+            </a:r>
+            <a:r>
+              <a:rPr/>
+              <a:t>a</a:t>
+            </a:r>
+            <a:r>
+              <a:rPr/>
+              <a:t> </a:t>
             </a:r>
             <a:r>
               <a:rPr/>
@@ -538,11 +550,19 @@
             </a:pPr>
             <a:r>
               <a:rPr/>
-              <a:t>Here </a:t>
+              <a:t>Here</a:t>
             </a:r>
             <a:r>
               <a:rPr/>
-              <a:t>is </a:t>
+              <a:t> </a:t>
+            </a:r>
+            <a:r>
+              <a:rPr/>
+              <a:t>is</a:t>
+            </a:r>
+            <a:r>
+              <a:rPr/>
+              <a:t> </a:t>
             </a:r>
             <a:r>
               <a:rPr i="1"/>
@@ -558,7 +578,11 @@
             </a:r>
             <a:r>
               <a:rPr/>
-              <a:t> formatting.</a:t>
+              <a:t> </a:t>
+            </a:r>
+            <a:r>
+              <a:rPr/>
+              <a:t>formatting.</a:t>
             </a:r>
           </a:p>
         </p:txBody>
@@ -640,15 +664,27 @@
             </a:pPr>
             <a:r>
               <a:rPr/>
-              <a:t>The </a:t>
+              <a:t>The</a:t>
             </a:r>
             <a:r>
               <a:rPr/>
-              <a:t>first </a:t>
+              <a:t> </a:t>
             </a:r>
             <a:r>
               <a:rPr/>
-              <a:t>note </a:t>
+              <a:t>first</a:t>
+            </a:r>
+            <a:r>
+              <a:rPr/>
+              <a:t> </a:t>
+            </a:r>
+            <a:r>
+              <a:rPr/>
+              <a:t>note</a:t>
+            </a:r>
+            <a:r>
+              <a:rPr/>
+              <a:t> </a:t>
             </a:r>
             <a:r>
               <a:rPr/>
@@ -666,15 +702,27 @@
             </a:pPr>
             <a:r>
               <a:rPr/>
-              <a:t>The </a:t>
+              <a:t>The</a:t>
             </a:r>
             <a:r>
               <a:rPr/>
-              <a:t>second </a:t>
+              <a:t> </a:t>
             </a:r>
             <a:r>
               <a:rPr/>
-              <a:t>note </a:t>
+              <a:t>second</a:t>
+            </a:r>
+            <a:r>
+              <a:rPr/>
+              <a:t> </a:t>
+            </a:r>
+            <a:r>
+              <a:rPr/>
+              <a:t>note</a:t>
+            </a:r>
+            <a:r>
+              <a:rPr/>
+              <a:t> </a:t>
             </a:r>
             <a:r>
               <a:rPr/>
@@ -760,7 +808,11 @@
             </a:pPr>
             <a:r>
               <a:rPr/>
-              <a:t>No </a:t>
+              <a:t>No</a:t>
+            </a:r>
+            <a:r>
+              <a:rPr/>
+              <a:t> </a:t>
             </a:r>
             <a:r>
               <a:rPr/>
@@ -768,7 +820,11 @@
             </a:r>
             <a:r>
               <a:rPr/>
-              <a:t> here.</a:t>
+              <a:t> </a:t>
+            </a:r>
+            <a:r>
+              <a:rPr/>
+              <a:t>here.</a:t>
             </a:r>
           </a:p>
           <a:p>
@@ -782,11 +838,19 @@
             </a:pPr>
             <a:r>
               <a:rPr/>
-              <a:t>No </a:t>
+              <a:t>No</a:t>
             </a:r>
             <a:r>
               <a:rPr/>
-              <a:t>note </a:t>
+              <a:t> </a:t>
+            </a:r>
+            <a:r>
+              <a:rPr/>
+              <a:t>note</a:t>
+            </a:r>
+            <a:r>
+              <a:rPr/>
+              <a:t> </a:t>
             </a:r>
             <a:r>
               <a:rPr/>

--- a/test/pptx/speaker-notes/templated.pptx
+++ b/test/pptx/speaker-notes/templated.pptx
@@ -512,77 +512,37 @@
             </a:pPr>
             <a:r>
               <a:rPr/>
-              <a:t>Here</a:t>
+              <a:t>Here is a note.</a:t>
+            </a:r>
+          </a:p>
+          <a:p>
+            <a:pPr lvl="0" marL="0" indent="0">
+              <a:buNone/>
+            </a:pPr>
+          </a:p>
+          <a:p>
+            <a:pPr lvl="0" marL="0" indent="0">
+              <a:buNone/>
+            </a:pPr>
+            <a:r>
+              <a:rPr/>
+              <a:t>Here is </a:t>
+            </a:r>
+            <a:r>
+              <a:rPr i="1"/>
+              <a:t>some</a:t>
             </a:r>
             <a:r>
               <a:rPr/>
               <a:t> </a:t>
             </a:r>
             <a:r>
-              <a:rPr/>
-              <a:t>is</a:t>
-            </a:r>
-            <a:r>
-              <a:rPr/>
-              <a:t> </a:t>
-            </a:r>
-            <a:r>
-              <a:rPr/>
-              <a:t>a</a:t>
-            </a:r>
-            <a:r>
-              <a:rPr/>
-              <a:t> </a:t>
-            </a:r>
-            <a:r>
-              <a:rPr/>
-              <a:t>note.</a:t>
-            </a:r>
-          </a:p>
-          <a:p>
-            <a:pPr lvl="0" marL="0" indent="0">
-              <a:buNone/>
-            </a:pPr>
-          </a:p>
-          <a:p>
-            <a:pPr lvl="0" marL="0" indent="0">
-              <a:buNone/>
-            </a:pPr>
-            <a:r>
-              <a:rPr/>
-              <a:t>Here</a:t>
-            </a:r>
-            <a:r>
-              <a:rPr/>
-              <a:t> </a:t>
-            </a:r>
-            <a:r>
-              <a:rPr/>
-              <a:t>is</a:t>
-            </a:r>
-            <a:r>
-              <a:rPr/>
-              <a:t> </a:t>
-            </a:r>
-            <a:r>
-              <a:rPr i="1"/>
-              <a:t>some</a:t>
-            </a:r>
-            <a:r>
-              <a:rPr/>
-              <a:t> </a:t>
-            </a:r>
-            <a:r>
               <a:rPr b="1"/>
               <a:t>other</a:t>
             </a:r>
             <a:r>
               <a:rPr/>
-              <a:t> </a:t>
-            </a:r>
-            <a:r>
-              <a:rPr/>
-              <a:t>formatting.</a:t>
+              <a:t> formatting.</a:t>
             </a:r>
           </a:p>
         </p:txBody>
@@ -664,69 +624,21 @@
             </a:pPr>
             <a:r>
               <a:rPr/>
-              <a:t>The</a:t>
-            </a:r>
+              <a:t>The first note div</a:t>
+            </a:r>
+          </a:p>
+          <a:p>
+            <a:pPr lvl="0" marL="0" indent="0">
+              <a:buNone/>
+            </a:pPr>
+          </a:p>
+          <a:p>
+            <a:pPr lvl="0" marL="0" indent="0">
+              <a:buNone/>
+            </a:pPr>
             <a:r>
               <a:rPr/>
-              <a:t> </a:t>
-            </a:r>
-            <a:r>
-              <a:rPr/>
-              <a:t>first</a:t>
-            </a:r>
-            <a:r>
-              <a:rPr/>
-              <a:t> </a:t>
-            </a:r>
-            <a:r>
-              <a:rPr/>
-              <a:t>note</a:t>
-            </a:r>
-            <a:r>
-              <a:rPr/>
-              <a:t> </a:t>
-            </a:r>
-            <a:r>
-              <a:rPr/>
-              <a:t>div</a:t>
-            </a:r>
-          </a:p>
-          <a:p>
-            <a:pPr lvl="0" marL="0" indent="0">
-              <a:buNone/>
-            </a:pPr>
-          </a:p>
-          <a:p>
-            <a:pPr lvl="0" marL="0" indent="0">
-              <a:buNone/>
-            </a:pPr>
-            <a:r>
-              <a:rPr/>
-              <a:t>The</a:t>
-            </a:r>
-            <a:r>
-              <a:rPr/>
-              <a:t> </a:t>
-            </a:r>
-            <a:r>
-              <a:rPr/>
-              <a:t>second</a:t>
-            </a:r>
-            <a:r>
-              <a:rPr/>
-              <a:t> </a:t>
-            </a:r>
-            <a:r>
-              <a:rPr/>
-              <a:t>note</a:t>
-            </a:r>
-            <a:r>
-              <a:rPr/>
-              <a:t> </a:t>
-            </a:r>
-            <a:r>
-              <a:rPr/>
-              <a:t>div</a:t>
+              <a:t>The second note div</a:t>
             </a:r>
           </a:p>
         </p:txBody>
@@ -808,53 +720,21 @@
             </a:pPr>
             <a:r>
               <a:rPr/>
-              <a:t>No</a:t>
-            </a:r>
+              <a:t>No link here.</a:t>
+            </a:r>
+          </a:p>
+          <a:p>
+            <a:pPr lvl="0" marL="0" indent="0">
+              <a:buNone/>
+            </a:pPr>
+          </a:p>
+          <a:p>
+            <a:pPr lvl="0" marL="0" indent="0">
+              <a:buNone/>
+            </a:pPr>
             <a:r>
               <a:rPr/>
-              <a:t> </a:t>
-            </a:r>
-            <a:r>
-              <a:rPr/>
-              <a:t>link</a:t>
-            </a:r>
-            <a:r>
-              <a:rPr/>
-              <a:t> </a:t>
-            </a:r>
-            <a:r>
-              <a:rPr/>
-              <a:t>here.</a:t>
-            </a:r>
-          </a:p>
-          <a:p>
-            <a:pPr lvl="0" marL="0" indent="0">
-              <a:buNone/>
-            </a:pPr>
-          </a:p>
-          <a:p>
-            <a:pPr lvl="0" marL="0" indent="0">
-              <a:buNone/>
-            </a:pPr>
-            <a:r>
-              <a:rPr/>
-              <a:t>No</a:t>
-            </a:r>
-            <a:r>
-              <a:rPr/>
-              <a:t> </a:t>
-            </a:r>
-            <a:r>
-              <a:rPr/>
-              <a:t>note</a:t>
-            </a:r>
-            <a:r>
-              <a:rPr/>
-              <a:t> </a:t>
-            </a:r>
-            <a:r>
-              <a:rPr/>
-              <a:t>here.</a:t>
+              <a:t>No note here.</a:t>
             </a:r>
           </a:p>
         </p:txBody>

--- a/test/pptx/speaker-notes/templated.pptx
+++ b/test/pptx/speaker-notes/templated.pptx
@@ -195,7 +195,7 @@
           <a:p>
             <a:fld id="{0F9C1CCF-B725-44A7-AA57-5E433BD85C9F}" type="datetimeFigureOut">
               <a:rPr lang="en-US" smtClean="0"/>
-              <a:t>4/5/2019</a:t>
+              <a:t>1/2/22</a:t>
             </a:fld>
             <a:endParaRPr lang="en-US"/>
           </a:p>
@@ -213,8 +213,8 @@
         </p:nvSpPr>
         <p:spPr>
           <a:xfrm>
-            <a:off x="1371600" y="1143000"/>
-            <a:ext cx="4114800" cy="3086100"/>
+            <a:off x="685800" y="1143000"/>
+            <a:ext cx="5486400" cy="3086100"/>
           </a:xfrm>
           <a:prstGeom prst="rect">
             <a:avLst/>
@@ -259,38 +259,37 @@
           <a:p>
             <a:pPr lvl="0"/>
             <a:r>
-              <a:rPr lang="en-US" smtClean="0"/>
+              <a:rPr lang="en-US"/>
               <a:t>Click to edit Master text styles</a:t>
             </a:r>
           </a:p>
           <a:p>
             <a:pPr lvl="1"/>
             <a:r>
-              <a:rPr lang="en-US" smtClean="0"/>
+              <a:rPr lang="en-US"/>
               <a:t>Second level</a:t>
             </a:r>
           </a:p>
           <a:p>
             <a:pPr lvl="2"/>
             <a:r>
-              <a:rPr lang="en-US" smtClean="0"/>
+              <a:rPr lang="en-US"/>
               <a:t>Third level</a:t>
             </a:r>
           </a:p>
           <a:p>
             <a:pPr lvl="3"/>
             <a:r>
-              <a:rPr lang="en-US" smtClean="0"/>
+              <a:rPr lang="en-US"/>
               <a:t>Fourth level</a:t>
             </a:r>
           </a:p>
           <a:p>
             <a:pPr lvl="4"/>
             <a:r>
-              <a:rPr lang="en-US" smtClean="0"/>
+              <a:rPr lang="en-US"/>
               <a:t>Fifth level</a:t>
             </a:r>
-            <a:endParaRPr lang="en-US"/>
           </a:p>
         </p:txBody>
       </p:sp>
@@ -507,7 +506,7 @@
           <a:bodyPr/>
           <a:lstStyle/>
           <a:p>
-            <a:pPr lvl="0" marL="0" indent="0">
+            <a:pPr lvl="0" indent="0" marL="0">
               <a:buNone/>
             </a:pPr>
             <a:r>
@@ -516,12 +515,12 @@
             </a:r>
           </a:p>
           <a:p>
-            <a:pPr lvl="0" marL="0" indent="0">
+            <a:pPr lvl="0" indent="0" marL="0">
               <a:buNone/>
             </a:pPr>
           </a:p>
           <a:p>
-            <a:pPr lvl="0" marL="0" indent="0">
+            <a:pPr lvl="0" indent="0" marL="0">
               <a:buNone/>
             </a:pPr>
             <a:r>
@@ -619,7 +618,7 @@
           <a:bodyPr/>
           <a:lstStyle/>
           <a:p>
-            <a:pPr lvl="0" marL="0" indent="0">
+            <a:pPr lvl="0" indent="0" marL="0">
               <a:buNone/>
             </a:pPr>
             <a:r>
@@ -628,12 +627,12 @@
             </a:r>
           </a:p>
           <a:p>
-            <a:pPr lvl="0" marL="0" indent="0">
+            <a:pPr lvl="0" indent="0" marL="0">
               <a:buNone/>
             </a:pPr>
           </a:p>
           <a:p>
-            <a:pPr lvl="0" marL="0" indent="0">
+            <a:pPr lvl="0" indent="0" marL="0">
               <a:buNone/>
             </a:pPr>
             <a:r>
@@ -715,7 +714,7 @@
           <a:bodyPr/>
           <a:lstStyle/>
           <a:p>
-            <a:pPr lvl="0" marL="0" indent="0">
+            <a:pPr lvl="0" indent="0" marL="0">
               <a:buNone/>
             </a:pPr>
             <a:r>
@@ -724,12 +723,12 @@
             </a:r>
           </a:p>
           <a:p>
-            <a:pPr lvl="0" marL="0" indent="0">
+            <a:pPr lvl="0" indent="0" marL="0">
               <a:buNone/>
             </a:pPr>
           </a:p>
           <a:p>
-            <a:pPr lvl="0" marL="0" indent="0">
+            <a:pPr lvl="0" indent="0" marL="0">
               <a:buNone/>
             </a:pPr>
             <a:r>
@@ -6399,7 +6398,7 @@
           <a:bodyPr/>
           <a:lstStyle/>
           <a:p>
-            <a:pPr lvl="0" marL="0" indent="0">
+            <a:pPr lvl="0" indent="0" marL="0">
               <a:buNone/>
             </a:pPr>
             <a:r>
@@ -6446,7 +6445,7 @@
           <a:bodyPr/>
           <a:lstStyle/>
           <a:p>
-            <a:pPr lvl="0" marL="0" indent="0">
+            <a:pPr lvl="0" indent="0" marL="0">
               <a:buNone/>
             </a:pPr>
             <a:r>
@@ -6493,7 +6492,7 @@
           <a:bodyPr/>
           <a:lstStyle/>
           <a:p>
-            <a:pPr lvl="0" marL="0" indent="0">
+            <a:pPr lvl="0" indent="0" marL="0">
               <a:buNone/>
             </a:pPr>
             <a:r>
@@ -6540,7 +6539,7 @@
           <a:bodyPr/>
           <a:lstStyle/>
           <a:p>
-            <a:pPr lvl="0" marL="0" indent="0">
+            <a:pPr lvl="0" indent="0" marL="0">
               <a:buNone/>
             </a:pPr>
             <a:r>
